--- a/doc/Thesis presentation.pptx
+++ b/doc/Thesis presentation.pptx
@@ -13149,7 +13149,7 @@
           <a:p>
             <a:fld id="{54C1F623-9CBA-4511-9E73-CD6BD4407C5B}" type="datetimeFigureOut">
               <a:rPr lang="en-US" smtClean="0"/>
-              <a:t>6/14/2020</a:t>
+              <a:t>6/17/2020</a:t>
             </a:fld>
             <a:endParaRPr lang="en-US" dirty="0"/>
           </a:p>
@@ -13327,7 +13327,7 @@
           <a:p>
             <a:fld id="{337F1094-6032-44D2-8EEF-A30E7FD54A90}" type="datetimeFigureOut">
               <a:rPr lang="en-US" smtClean="0"/>
-              <a:t>6/14/2020</a:t>
+              <a:t>6/17/2020</a:t>
             </a:fld>
             <a:endParaRPr lang="en-US" dirty="0"/>
           </a:p>
@@ -13821,7 +13821,7 @@
           <a:p>
             <a:fld id="{446F8D95-DED4-4431-B281-42BE69257E21}" type="datetime1">
               <a:rPr lang="en-US" smtClean="0"/>
-              <a:t>6/14/2020</a:t>
+              <a:t>6/17/2020</a:t>
             </a:fld>
             <a:endParaRPr lang="en-US" dirty="0"/>
           </a:p>
@@ -14029,7 +14029,7 @@
           <a:p>
             <a:fld id="{898CCAD2-1165-4EDF-8B62-A6421AB4B6D3}" type="datetime1">
               <a:rPr lang="en-US" smtClean="0"/>
-              <a:t>6/14/2020</a:t>
+              <a:t>6/17/2020</a:t>
             </a:fld>
             <a:endParaRPr lang="en-US" dirty="0"/>
           </a:p>
@@ -14285,7 +14285,7 @@
           <a:p>
             <a:fld id="{F7AC5BDA-AA3C-4A89-BF58-8900F0367DC8}" type="datetime1">
               <a:rPr lang="en-US" smtClean="0"/>
-              <a:t>6/14/2020</a:t>
+              <a:t>6/17/2020</a:t>
             </a:fld>
             <a:endParaRPr lang="en-US" dirty="0"/>
           </a:p>
@@ -14459,7 +14459,7 @@
           <a:p>
             <a:fld id="{3DDCB851-2911-4876-951C-60F4E743EE47}" type="datetime1">
               <a:rPr lang="en-US" smtClean="0"/>
-              <a:t>6/14/2020</a:t>
+              <a:t>6/17/2020</a:t>
             </a:fld>
             <a:endParaRPr lang="en-US" dirty="0"/>
           </a:p>
@@ -14794,7 +14794,7 @@
           <a:p>
             <a:fld id="{09889431-A1A4-4EAE-85D1-E8FC0DB7C4D8}" type="datetime1">
               <a:rPr lang="en-US" smtClean="0"/>
-              <a:t>6/14/2020</a:t>
+              <a:t>6/17/2020</a:t>
             </a:fld>
             <a:endParaRPr lang="en-US" dirty="0"/>
           </a:p>
@@ -15069,7 +15069,7 @@
           <a:p>
             <a:fld id="{F3872F65-9C0F-4261-8640-22108D7CD2AF}" type="datetime1">
               <a:rPr lang="en-US" smtClean="0"/>
-              <a:t>6/14/2020</a:t>
+              <a:t>6/17/2020</a:t>
             </a:fld>
             <a:endParaRPr lang="en-US" dirty="0"/>
           </a:p>
@@ -15448,7 +15448,7 @@
           <a:p>
             <a:fld id="{3BE00273-95F1-4BA1-B0C7-767D5A0C124A}" type="datetime1">
               <a:rPr lang="en-US" smtClean="0"/>
-              <a:t>6/14/2020</a:t>
+              <a:t>6/17/2020</a:t>
             </a:fld>
             <a:endParaRPr lang="en-US" dirty="0"/>
           </a:p>
@@ -15566,7 +15566,7 @@
           <a:p>
             <a:fld id="{A7494911-E0A2-45F0-9DB4-E616DEE651BE}" type="datetime1">
               <a:rPr lang="en-US" smtClean="0"/>
-              <a:t>6/14/2020</a:t>
+              <a:t>6/17/2020</a:t>
             </a:fld>
             <a:endParaRPr lang="en-US" dirty="0"/>
           </a:p>
@@ -15737,7 +15737,7 @@
           <a:p>
             <a:fld id="{DB85D376-B855-4312-BB06-EE1B6EF23213}" type="datetime1">
               <a:rPr lang="en-US" smtClean="0"/>
-              <a:t>6/14/2020</a:t>
+              <a:t>6/17/2020</a:t>
             </a:fld>
             <a:endParaRPr lang="en-US" dirty="0"/>
           </a:p>
@@ -16091,7 +16091,7 @@
           <a:p>
             <a:fld id="{C737DACE-5D22-452C-9F4B-7C87BEC1FA7D}" type="datetime1">
               <a:rPr lang="en-US" smtClean="0"/>
-              <a:t>6/14/2020</a:t>
+              <a:t>6/17/2020</a:t>
             </a:fld>
             <a:endParaRPr lang="en-US" dirty="0"/>
           </a:p>
@@ -16472,7 +16472,7 @@
           <a:p>
             <a:fld id="{E3DFCF58-60C7-41B1-9D97-498599A942BD}" type="datetime1">
               <a:rPr lang="en-US" smtClean="0"/>
-              <a:t>6/14/2020</a:t>
+              <a:t>6/17/2020</a:t>
             </a:fld>
             <a:endParaRPr lang="en-US" dirty="0"/>
           </a:p>
@@ -16759,7 +16759,7 @@
           <a:p>
             <a:fld id="{D79990D0-B965-475F-B5E0-6CA7147DC933}" type="datetime1">
               <a:rPr lang="en-US" smtClean="0"/>
-              <a:t>6/14/2020</a:t>
+              <a:t>6/17/2020</a:t>
             </a:fld>
             <a:endParaRPr lang="en-US" dirty="0"/>
           </a:p>
@@ -19210,8 +19210,8 @@
         </p:nvSpPr>
         <p:spPr>
           <a:xfrm>
-            <a:off x="2435441" y="5325253"/>
-            <a:ext cx="7321118" cy="369332"/>
+            <a:off x="2209060" y="5325253"/>
+            <a:ext cx="7773879" cy="369332"/>
           </a:xfrm>
           <a:prstGeom prst="rect">
             <a:avLst/>
@@ -19237,7 +19237,39 @@
                 <a:ea typeface="SimSun" panose="02010600030101010101" pitchFamily="2" charset="-122"/>
                 <a:cs typeface="Times New Roman" panose="02020603050405020304" pitchFamily="18" charset="0"/>
               </a:rPr>
-              <a:t>(C – Containers, Co – Cores, M – Memory, A – Akka Actors, H – JVM Heap)</a:t>
+              <a:t>(C – Container, Co – Core, M – Memory, A – </a:t>
+            </a:r>
+            <a:r>
+              <a:rPr lang="en-AU" dirty="0" err="1">
+                <a:latin typeface="Times New Roman" panose="02020603050405020304" pitchFamily="18" charset="0"/>
+                <a:ea typeface="SimSun" panose="02010600030101010101" pitchFamily="2" charset="-122"/>
+                <a:cs typeface="Times New Roman" panose="02020603050405020304" pitchFamily="18" charset="0"/>
+              </a:rPr>
+              <a:t>Akka</a:t>
+            </a:r>
+            <a:r>
+              <a:rPr lang="en-AU" dirty="0">
+                <a:latin typeface="Times New Roman" panose="02020603050405020304" pitchFamily="18" charset="0"/>
+                <a:ea typeface="SimSun" panose="02010600030101010101" pitchFamily="2" charset="-122"/>
+                <a:cs typeface="Times New Roman" panose="02020603050405020304" pitchFamily="18" charset="0"/>
+              </a:rPr>
+              <a:t> Actor/</a:t>
+            </a:r>
+            <a:r>
+              <a:rPr lang="en-AU" dirty="0" err="1">
+                <a:latin typeface="Times New Roman" panose="02020603050405020304" pitchFamily="18" charset="0"/>
+                <a:ea typeface="SimSun" panose="02010600030101010101" pitchFamily="2" charset="-122"/>
+                <a:cs typeface="Times New Roman" panose="02020603050405020304" pitchFamily="18" charset="0"/>
+              </a:rPr>
+              <a:t>Thead</a:t>
+            </a:r>
+            <a:r>
+              <a:rPr lang="en-AU" dirty="0">
+                <a:latin typeface="Times New Roman" panose="02020603050405020304" pitchFamily="18" charset="0"/>
+                <a:ea typeface="SimSun" panose="02010600030101010101" pitchFamily="2" charset="-122"/>
+                <a:cs typeface="Times New Roman" panose="02020603050405020304" pitchFamily="18" charset="0"/>
+              </a:rPr>
+              <a:t>, H – JVM Heap)</a:t>
             </a:r>
             <a:endParaRPr lang="en-US" sz="2400" b="1" dirty="0">
               <a:effectLst/>
@@ -19525,7 +19557,7 @@
             <p:ph idx="1"/>
             <p:extLst>
               <p:ext uri="{D42A27DB-BD31-4B8C-83A1-F6EECF244321}">
-                <p14:modId xmlns:p14="http://schemas.microsoft.com/office/powerpoint/2010/main" val="2207443519"/>
+                <p14:modId xmlns:p14="http://schemas.microsoft.com/office/powerpoint/2010/main" val="912536770"/>
               </p:ext>
             </p:extLst>
           </p:nvPr>
@@ -19652,7 +19684,7 @@
                         <a:rPr lang="en-US" sz="1800" b="1" dirty="0">
                           <a:effectLst/>
                         </a:rPr>
-                        <a:t>P</a:t>
+                        <a:t>P/R</a:t>
                       </a:r>
                       <a:endParaRPr lang="en-US" sz="1800" b="1" dirty="0">
                         <a:solidFill>
@@ -19684,7 +19716,7 @@
                         <a:rPr lang="en-US" sz="1800" b="1" dirty="0">
                           <a:effectLst/>
                         </a:rPr>
-                        <a:t>S</a:t>
+                        <a:t>S/R</a:t>
                       </a:r>
                       <a:endParaRPr lang="en-US" sz="1800" b="1" dirty="0">
                         <a:solidFill>
@@ -20133,7 +20165,7 @@
                 <a:latin typeface="Times New Roman" panose="02020603050405020304" pitchFamily="18" charset="0"/>
                 <a:ea typeface="SimSun" panose="02010600030101010101" pitchFamily="2" charset="-122"/>
               </a:rPr>
-              <a:t>(R – POST requests, P – Problems, S – Solutions)</a:t>
+              <a:t>(R – POST request, P – Problem, S – Solution)</a:t>
             </a:r>
             <a:endParaRPr lang="en-US" sz="2400" b="1" dirty="0">
               <a:latin typeface="Times New Roman" panose="02020603050405020304" pitchFamily="18" charset="0"/>
@@ -21165,7 +21197,17 @@
                 <a:latin typeface="Times New Roman" panose="02020603050405020304" pitchFamily="18" charset="0"/>
                 <a:cs typeface="Times New Roman" panose="02020603050405020304" pitchFamily="18" charset="0"/>
               </a:rPr>
-              <a:t>Scenario 1</a:t>
+              <a:t>Scenario 1 </a:t>
+            </a:r>
+            <a:r>
+              <a:rPr lang="en-US" sz="1000" dirty="0">
+                <a:solidFill>
+                  <a:schemeClr val="tx1"/>
+                </a:solidFill>
+                <a:latin typeface="Times New Roman" panose="02020603050405020304" pitchFamily="18" charset="0"/>
+                <a:cs typeface="Times New Roman" panose="02020603050405020304" pitchFamily="18" charset="0"/>
+              </a:rPr>
+              <a:t>(c)</a:t>
             </a:r>
           </a:p>
           <a:p>
@@ -21399,7 +21441,17 @@
                 <a:latin typeface="Times New Roman" panose="02020603050405020304" pitchFamily="18" charset="0"/>
                 <a:cs typeface="Times New Roman" panose="02020603050405020304" pitchFamily="18" charset="0"/>
               </a:rPr>
-              <a:t>Scenario 2</a:t>
+              <a:t>Scenario 2 </a:t>
+            </a:r>
+            <a:r>
+              <a:rPr lang="en-US" sz="1000" dirty="0">
+                <a:solidFill>
+                  <a:schemeClr val="tx1"/>
+                </a:solidFill>
+                <a:latin typeface="Times New Roman" panose="02020603050405020304" pitchFamily="18" charset="0"/>
+                <a:cs typeface="Times New Roman" panose="02020603050405020304" pitchFamily="18" charset="0"/>
+              </a:rPr>
+              <a:t>(h)</a:t>
             </a:r>
           </a:p>
           <a:p>
@@ -21615,8 +21667,25 @@
                 <a:latin typeface="Times New Roman" panose="02020603050405020304" pitchFamily="18" charset="0"/>
                 <a:cs typeface="Times New Roman" panose="02020603050405020304" pitchFamily="18" charset="0"/>
               </a:rPr>
-              <a:t>Scenario 3</a:t>
+              <a:t>Scenario 3 </a:t>
             </a:r>
+            <a:r>
+              <a:rPr lang="en-US" sz="1000">
+                <a:solidFill>
+                  <a:schemeClr val="tx1"/>
+                </a:solidFill>
+                <a:latin typeface="Times New Roman" panose="02020603050405020304" pitchFamily="18" charset="0"/>
+                <a:cs typeface="Times New Roman" panose="02020603050405020304" pitchFamily="18" charset="0"/>
+              </a:rPr>
+              <a:t>(v)</a:t>
+            </a:r>
+            <a:endParaRPr lang="en-US" sz="1000" dirty="0">
+              <a:solidFill>
+                <a:schemeClr val="tx1"/>
+              </a:solidFill>
+              <a:latin typeface="Times New Roman" panose="02020603050405020304" pitchFamily="18" charset="0"/>
+              <a:cs typeface="Times New Roman" panose="02020603050405020304" pitchFamily="18" charset="0"/>
+            </a:endParaRPr>
           </a:p>
           <a:p>
             <a:endParaRPr lang="en-US" dirty="0"/>
@@ -22944,8 +23013,8 @@
         </p:nvSpPr>
         <p:spPr>
           <a:xfrm>
-            <a:off x="2435441" y="5325253"/>
-            <a:ext cx="7321118" cy="369332"/>
+            <a:off x="2435440" y="5325253"/>
+            <a:ext cx="7889289" cy="369332"/>
           </a:xfrm>
           <a:prstGeom prst="rect">
             <a:avLst/>
@@ -22971,7 +23040,39 @@
                 <a:ea typeface="SimSun" panose="02010600030101010101" pitchFamily="2" charset="-122"/>
                 <a:cs typeface="Times New Roman" panose="02020603050405020304" pitchFamily="18" charset="0"/>
               </a:rPr>
-              <a:t>(C – Containers, Co – Cores, M – Memory, A – Akka Actors, H – JVM Heap)</a:t>
+              <a:t>(C – Container, Co – Core, M – Memory, A – </a:t>
+            </a:r>
+            <a:r>
+              <a:rPr lang="en-AU" dirty="0" err="1">
+                <a:latin typeface="Times New Roman" panose="02020603050405020304" pitchFamily="18" charset="0"/>
+                <a:ea typeface="SimSun" panose="02010600030101010101" pitchFamily="2" charset="-122"/>
+                <a:cs typeface="Times New Roman" panose="02020603050405020304" pitchFamily="18" charset="0"/>
+              </a:rPr>
+              <a:t>Akka</a:t>
+            </a:r>
+            <a:r>
+              <a:rPr lang="en-AU" dirty="0">
+                <a:latin typeface="Times New Roman" panose="02020603050405020304" pitchFamily="18" charset="0"/>
+                <a:ea typeface="SimSun" panose="02010600030101010101" pitchFamily="2" charset="-122"/>
+                <a:cs typeface="Times New Roman" panose="02020603050405020304" pitchFamily="18" charset="0"/>
+              </a:rPr>
+              <a:t> Actor/</a:t>
+            </a:r>
+            <a:r>
+              <a:rPr lang="en-AU" dirty="0" err="1">
+                <a:latin typeface="Times New Roman" panose="02020603050405020304" pitchFamily="18" charset="0"/>
+                <a:ea typeface="SimSun" panose="02010600030101010101" pitchFamily="2" charset="-122"/>
+                <a:cs typeface="Times New Roman" panose="02020603050405020304" pitchFamily="18" charset="0"/>
+              </a:rPr>
+              <a:t>Thead</a:t>
+            </a:r>
+            <a:r>
+              <a:rPr lang="en-AU" dirty="0">
+                <a:latin typeface="Times New Roman" panose="02020603050405020304" pitchFamily="18" charset="0"/>
+                <a:ea typeface="SimSun" panose="02010600030101010101" pitchFamily="2" charset="-122"/>
+                <a:cs typeface="Times New Roman" panose="02020603050405020304" pitchFamily="18" charset="0"/>
+              </a:rPr>
+              <a:t>, H – JVM Heap)</a:t>
             </a:r>
             <a:endParaRPr lang="en-US" sz="2400" b="1" dirty="0">
               <a:effectLst/>
@@ -24058,7 +24159,17 @@
                 <a:latin typeface="Times New Roman" panose="02020603050405020304" pitchFamily="18" charset="0"/>
                 <a:cs typeface="Times New Roman" panose="02020603050405020304" pitchFamily="18" charset="0"/>
               </a:rPr>
-              <a:t>Scenario 4</a:t>
+              <a:t>Scenario 4 </a:t>
+            </a:r>
+            <a:r>
+              <a:rPr lang="en-US" sz="1000" dirty="0">
+                <a:solidFill>
+                  <a:schemeClr val="tx1"/>
+                </a:solidFill>
+                <a:latin typeface="Times New Roman" panose="02020603050405020304" pitchFamily="18" charset="0"/>
+                <a:cs typeface="Times New Roman" panose="02020603050405020304" pitchFamily="18" charset="0"/>
+              </a:rPr>
+              <a:t>(h)</a:t>
             </a:r>
           </a:p>
           <a:p>
@@ -24274,7 +24385,17 @@
                 <a:latin typeface="Times New Roman" panose="02020603050405020304" pitchFamily="18" charset="0"/>
                 <a:cs typeface="Times New Roman" panose="02020603050405020304" pitchFamily="18" charset="0"/>
               </a:rPr>
-              <a:t>Scenario 5</a:t>
+              <a:t>Scenario 5 </a:t>
+            </a:r>
+            <a:r>
+              <a:rPr lang="en-US" sz="1000" dirty="0">
+                <a:solidFill>
+                  <a:schemeClr val="tx1"/>
+                </a:solidFill>
+                <a:latin typeface="Times New Roman" panose="02020603050405020304" pitchFamily="18" charset="0"/>
+                <a:cs typeface="Times New Roman" panose="02020603050405020304" pitchFamily="18" charset="0"/>
+              </a:rPr>
+              <a:t>(v)</a:t>
             </a:r>
           </a:p>
           <a:p>
